--- a/figures/resources/measure_intensities.pptx
+++ b/figures/resources/measure_intensities.pptx
@@ -3435,6 +3435,174 @@
           <a:chExt cx="0" cy="0"/>
         </a:xfrm>
       </p:grpSpPr>
+      <p:pic>
+        <p:nvPicPr>
+          <p:cNvPr id="5" name="Picture 4">
+            <a:extLst>
+              <a:ext uri="{FF2B5EF4-FFF2-40B4-BE49-F238E27FC236}">
+                <a16:creationId xmlns:a16="http://schemas.microsoft.com/office/drawing/2014/main" id="{E78DC95D-9443-2644-9952-D06EC2D9DEB7}"/>
+              </a:ext>
+            </a:extLst>
+          </p:cNvPr>
+          <p:cNvPicPr>
+            <a:picLocks noChangeAspect="1"/>
+          </p:cNvPicPr>
+          <p:nvPr/>
+        </p:nvPicPr>
+        <p:blipFill>
+          <a:blip r:embed="rId2"/>
+          <a:stretch>
+            <a:fillRect/>
+          </a:stretch>
+        </p:blipFill>
+        <p:spPr>
+          <a:xfrm>
+            <a:off x="2878094" y="984936"/>
+            <a:ext cx="3023728" cy="2116610"/>
+          </a:xfrm>
+          <a:prstGeom prst="rect">
+            <a:avLst/>
+          </a:prstGeom>
+        </p:spPr>
+      </p:pic>
+      <p:pic>
+        <p:nvPicPr>
+          <p:cNvPr id="7" name="Picture 6">
+            <a:extLst>
+              <a:ext uri="{FF2B5EF4-FFF2-40B4-BE49-F238E27FC236}">
+                <a16:creationId xmlns:a16="http://schemas.microsoft.com/office/drawing/2014/main" id="{4C29D6D9-E000-5344-81B4-CCAD0165173B}"/>
+              </a:ext>
+            </a:extLst>
+          </p:cNvPr>
+          <p:cNvPicPr>
+            <a:picLocks noChangeAspect="1"/>
+          </p:cNvPicPr>
+          <p:nvPr/>
+        </p:nvPicPr>
+        <p:blipFill>
+          <a:blip r:embed="rId3"/>
+          <a:stretch>
+            <a:fillRect/>
+          </a:stretch>
+        </p:blipFill>
+        <p:spPr>
+          <a:xfrm>
+            <a:off x="6091881" y="984936"/>
+            <a:ext cx="3036673" cy="2125671"/>
+          </a:xfrm>
+          <a:prstGeom prst="rect">
+            <a:avLst/>
+          </a:prstGeom>
+        </p:spPr>
+      </p:pic>
+      <p:pic>
+        <p:nvPicPr>
+          <p:cNvPr id="10" name="Picture 9">
+            <a:extLst>
+              <a:ext uri="{FF2B5EF4-FFF2-40B4-BE49-F238E27FC236}">
+                <a16:creationId xmlns:a16="http://schemas.microsoft.com/office/drawing/2014/main" id="{273BCD4F-CB8F-EF4C-B281-5949DD0F5520}"/>
+              </a:ext>
+            </a:extLst>
+          </p:cNvPr>
+          <p:cNvPicPr>
+            <a:picLocks noChangeAspect="1"/>
+          </p:cNvPicPr>
+          <p:nvPr/>
+        </p:nvPicPr>
+        <p:blipFill>
+          <a:blip r:embed="rId4"/>
+          <a:stretch>
+            <a:fillRect/>
+          </a:stretch>
+        </p:blipFill>
+        <p:spPr>
+          <a:xfrm>
+            <a:off x="2125363" y="2785418"/>
+            <a:ext cx="7770334" cy="2969043"/>
+          </a:xfrm>
+          <a:prstGeom prst="rect">
+            <a:avLst/>
+          </a:prstGeom>
+        </p:spPr>
+      </p:pic>
+      <p:sp>
+        <p:nvSpPr>
+          <p:cNvPr id="11" name="TextBox 10">
+            <a:extLst>
+              <a:ext uri="{FF2B5EF4-FFF2-40B4-BE49-F238E27FC236}">
+                <a16:creationId xmlns:a16="http://schemas.microsoft.com/office/drawing/2014/main" id="{60B94755-2A0A-AD41-8121-5481543127AA}"/>
+              </a:ext>
+            </a:extLst>
+          </p:cNvPr>
+          <p:cNvSpPr txBox="1"/>
+          <p:nvPr/>
+        </p:nvSpPr>
+        <p:spPr>
+          <a:xfrm>
+            <a:off x="8081319" y="1915297"/>
+            <a:ext cx="301686" cy="369332"/>
+          </a:xfrm>
+          <a:prstGeom prst="rect">
+            <a:avLst/>
+          </a:prstGeom>
+          <a:noFill/>
+        </p:spPr>
+        <p:txBody>
+          <a:bodyPr wrap="none" rtlCol="0">
+            <a:spAutoFit/>
+          </a:bodyPr>
+          <a:lstStyle/>
+          <a:p>
+            <a:r>
+              <a:rPr lang="de-DE" dirty="0">
+                <a:solidFill>
+                  <a:schemeClr val="bg1"/>
+                </a:solidFill>
+              </a:rPr>
+              <a:t>1</a:t>
+            </a:r>
+          </a:p>
+        </p:txBody>
+      </p:sp>
+      <p:sp>
+        <p:nvSpPr>
+          <p:cNvPr id="12" name="TextBox 11">
+            <a:extLst>
+              <a:ext uri="{FF2B5EF4-FFF2-40B4-BE49-F238E27FC236}">
+                <a16:creationId xmlns:a16="http://schemas.microsoft.com/office/drawing/2014/main" id="{16BFCE6E-41BE-3543-983E-207CA98DC2E6}"/>
+              </a:ext>
+            </a:extLst>
+          </p:cNvPr>
+          <p:cNvSpPr txBox="1"/>
+          <p:nvPr/>
+        </p:nvSpPr>
+        <p:spPr>
+          <a:xfrm>
+            <a:off x="7012490" y="1803401"/>
+            <a:ext cx="301686" cy="369332"/>
+          </a:xfrm>
+          <a:prstGeom prst="rect">
+            <a:avLst/>
+          </a:prstGeom>
+          <a:noFill/>
+        </p:spPr>
+        <p:txBody>
+          <a:bodyPr wrap="none" rtlCol="0">
+            <a:spAutoFit/>
+          </a:bodyPr>
+          <a:lstStyle/>
+          <a:p>
+            <a:r>
+              <a:rPr lang="de-DE" dirty="0">
+                <a:solidFill>
+                  <a:schemeClr val="bg1"/>
+                </a:solidFill>
+              </a:rPr>
+              <a:t>2</a:t>
+            </a:r>
+          </a:p>
+        </p:txBody>
+      </p:sp>
     </p:spTree>
     <p:extLst>
       <p:ext uri="{BB962C8B-B14F-4D97-AF65-F5344CB8AC3E}">
